--- a/AI ML/day 2/Intro.pptx
+++ b/AI ML/day 2/Intro.pptx
@@ -20,23 +20,24 @@
     <p:sldId id="265" r:id="rId15"/>
     <p:sldId id="266" r:id="rId16"/>
     <p:sldId id="267" r:id="rId17"/>
+    <p:sldId id="268" r:id="rId18"/>
   </p:sldIdLst>
   <p:sldSz cy="5143500" cx="9144000"/>
   <p:notesSz cx="6858000" cy="9144000"/>
   <p:embeddedFontLst>
     <p:embeddedFont>
       <p:font typeface="Montserrat"/>
-      <p:regular r:id="rId18"/>
-      <p:bold r:id="rId19"/>
-      <p:italic r:id="rId20"/>
-      <p:boldItalic r:id="rId21"/>
+      <p:regular r:id="rId19"/>
+      <p:bold r:id="rId20"/>
+      <p:italic r:id="rId21"/>
+      <p:boldItalic r:id="rId22"/>
     </p:embeddedFont>
     <p:embeddedFont>
       <p:font typeface="Lato"/>
-      <p:regular r:id="rId22"/>
-      <p:bold r:id="rId23"/>
-      <p:italic r:id="rId24"/>
-      <p:boldItalic r:id="rId25"/>
+      <p:regular r:id="rId23"/>
+      <p:bold r:id="rId24"/>
+      <p:italic r:id="rId25"/>
+      <p:boldItalic r:id="rId26"/>
     </p:embeddedFont>
   </p:embeddedFontLst>
   <p:defaultTextStyle>
@@ -1029,7 +1030,7 @@
       </p:grpSpPr>
       <p:sp>
         <p:nvSpPr>
-          <p:cNvPr id="203" name="Google Shape;203;g13ff6a2cd01_0_220:notes"/>
+          <p:cNvPr id="203" name="Google Shape;203;g1400ab4ba4a_0_0:notes"/>
           <p:cNvSpPr/>
           <p:nvPr>
             <p:ph idx="2" type="sldImg"/>
@@ -1064,7 +1065,106 @@
       </p:sp>
       <p:sp>
         <p:nvSpPr>
-          <p:cNvPr id="204" name="Google Shape;204;g13ff6a2cd01_0_220:notes"/>
+          <p:cNvPr id="204" name="Google Shape;204;g1400ab4ba4a_0_0:notes"/>
+          <p:cNvSpPr txBox="1"/>
+          <p:nvPr>
+            <p:ph idx="1" type="body"/>
+          </p:nvPr>
+        </p:nvSpPr>
+        <p:spPr>
+          <a:xfrm>
+            <a:off x="685800" y="4343400"/>
+            <a:ext cx="5486400" cy="4114800"/>
+          </a:xfrm>
+          <a:prstGeom prst="rect">
+            <a:avLst/>
+          </a:prstGeom>
+        </p:spPr>
+        <p:txBody>
+          <a:bodyPr anchorCtr="0" anchor="t" bIns="91425" lIns="91425" spcFirstLastPara="1" rIns="91425" wrap="square" tIns="91425">
+            <a:noAutofit/>
+          </a:bodyPr>
+          <a:lstStyle/>
+          <a:p>
+            <a:pPr indent="0" lvl="0" marL="0" rtl="0" algn="l">
+              <a:spcBef>
+                <a:spcPts val="0"/>
+              </a:spcBef>
+              <a:spcAft>
+                <a:spcPts val="0"/>
+              </a:spcAft>
+              <a:buNone/>
+            </a:pPr>
+            <a:r>
+              <a:t/>
+            </a:r>
+            <a:endParaRPr/>
+          </a:p>
+        </p:txBody>
+      </p:sp>
+    </p:spTree>
+  </p:cSld>
+  <p:clrMapOvr>
+    <a:masterClrMapping/>
+  </p:clrMapOvr>
+</p:notes>
+</file>
+
+<file path=ppt/notesSlides/notesSlide13.xml><?xml version="1.0" encoding="utf-8"?>
+<p:notes xmlns:a="http://schemas.openxmlformats.org/drawingml/2006/main" xmlns:r="http://schemas.openxmlformats.org/officeDocument/2006/relationships" xmlns:mc="http://schemas.openxmlformats.org/markup-compatibility/2006" xmlns:mv="urn:schemas-microsoft-com:mac:vml" xmlns:p="http://schemas.openxmlformats.org/presentationml/2006/main" xmlns:c="http://schemas.openxmlformats.org/drawingml/2006/chart" xmlns:dgm="http://schemas.openxmlformats.org/drawingml/2006/diagram" xmlns:o="urn:schemas-microsoft-com:office:office" xmlns:v="urn:schemas-microsoft-com:vml" xmlns:pvml="urn:schemas-microsoft-com:office:powerpoint" xmlns:com="http://schemas.openxmlformats.org/drawingml/2006/compatibility" xmlns:p14="http://schemas.microsoft.com/office/powerpoint/2010/main" xmlns:p15="http://schemas.microsoft.com/office/powerpoint/2012/main" xmlns:ahyp="http://schemas.microsoft.com/office/drawing/2018/hyperlinkcolor" showMasterPhAnim="0" showMasterSp="0">
+  <p:cSld>
+    <p:spTree>
+      <p:nvGrpSpPr>
+        <p:cNvPr id="208" name="Shape 208"/>
+        <p:cNvGrpSpPr/>
+        <p:nvPr/>
+      </p:nvGrpSpPr>
+      <p:grpSpPr>
+        <a:xfrm>
+          <a:off x="0" y="0"/>
+          <a:ext cx="0" cy="0"/>
+          <a:chOff x="0" y="0"/>
+          <a:chExt cx="0" cy="0"/>
+        </a:xfrm>
+      </p:grpSpPr>
+      <p:sp>
+        <p:nvSpPr>
+          <p:cNvPr id="209" name="Google Shape;209;g13ff6a2cd01_0_220:notes"/>
+          <p:cNvSpPr/>
+          <p:nvPr>
+            <p:ph idx="2" type="sldImg"/>
+          </p:nvPr>
+        </p:nvSpPr>
+        <p:spPr>
+          <a:xfrm>
+            <a:off x="381300" y="685800"/>
+            <a:ext cx="6096000" cy="3429000"/>
+          </a:xfrm>
+          <a:custGeom>
+            <a:rect b="b" l="l" r="r" t="t"/>
+            <a:pathLst>
+              <a:path extrusionOk="0" h="120000" w="120000">
+                <a:moveTo>
+                  <a:pt x="0" y="0"/>
+                </a:moveTo>
+                <a:lnTo>
+                  <a:pt x="120000" y="0"/>
+                </a:lnTo>
+                <a:lnTo>
+                  <a:pt x="120000" y="120000"/>
+                </a:lnTo>
+                <a:lnTo>
+                  <a:pt x="0" y="120000"/>
+                </a:lnTo>
+                <a:close/>
+              </a:path>
+            </a:pathLst>
+          </a:custGeom>
+        </p:spPr>
+      </p:sp>
+      <p:sp>
+        <p:nvSpPr>
+          <p:cNvPr id="210" name="Google Shape;210;g13ff6a2cd01_0_220:notes"/>
           <p:cNvSpPr txBox="1"/>
           <p:nvPr>
             <p:ph idx="1" type="body"/>
@@ -10134,17 +10234,17 @@
               <a:buNone/>
             </a:pPr>
             <a:r>
-              <a:rPr lang="en"/>
+              <a:rPr b="1" lang="en"/>
               <a:t>CRYPTEX 2022</a:t>
             </a:r>
             <a:br>
-              <a:rPr lang="en"/>
+              <a:rPr b="1" lang="en"/>
             </a:br>
             <a:r>
-              <a:rPr lang="en"/>
+              <a:rPr b="1" lang="en"/>
               <a:t>AI/ML</a:t>
             </a:r>
-            <a:endParaRPr/>
+            <a:endParaRPr b="1"/>
           </a:p>
         </p:txBody>
       </p:sp>
@@ -10198,7 +10298,15 @@
             </a:pPr>
             <a:r>
               <a:rPr lang="en"/>
-              <a:t>	Sahil Raj (Technical Head)</a:t>
+              <a:t>	</a:t>
+            </a:r>
+            <a:r>
+              <a:rPr b="1" lang="en"/>
+              <a:t>Sahil Raj</a:t>
+            </a:r>
+            <a:r>
+              <a:rPr lang="en"/>
+              <a:t> (Technical Head)</a:t>
             </a:r>
             <a:endParaRPr/>
           </a:p>
@@ -10214,7 +10322,15 @@
             </a:pPr>
             <a:r>
               <a:rPr lang="en"/>
-              <a:t>	Shreyansh Jain (Technical </a:t>
+              <a:t>	</a:t>
+            </a:r>
+            <a:r>
+              <a:rPr b="1" lang="en"/>
+              <a:t>Shreyansh Jain</a:t>
+            </a:r>
+            <a:r>
+              <a:rPr lang="en"/>
+              <a:t> (Technical </a:t>
             </a:r>
             <a:r>
               <a:rPr lang="en"/>
@@ -10531,6 +10647,157 @@
   <p:clrMapOvr>
     <a:masterClrMapping/>
   </p:clrMapOvr>
+  <p:timing>
+    <p:tnLst>
+      <p:par>
+        <p:cTn dur="indefinite" nodeType="tmRoot" restart="never">
+          <p:childTnLst>
+            <p:seq concurrent="1" nextAc="seek">
+              <p:cTn dur="indefinite" id="2" nodeType="mainSeq">
+                <p:childTnLst>
+                  <p:par>
+                    <p:cTn fill="hold">
+                      <p:stCondLst>
+                        <p:cond delay="indefinite"/>
+                      </p:stCondLst>
+                      <p:childTnLst>
+                        <p:par>
+                          <p:cTn fill="hold">
+                            <p:stCondLst>
+                              <p:cond delay="0"/>
+                            </p:stCondLst>
+                            <p:childTnLst>
+                              <p:par>
+                                <p:cTn fill="hold" nodeType="clickEffect" presetClass="entr" presetID="2" presetSubtype="1">
+                                  <p:stCondLst>
+                                    <p:cond delay="0"/>
+                                  </p:stCondLst>
+                                  <p:childTnLst>
+                                    <p:set>
+                                      <p:cBhvr>
+                                        <p:cTn dur="1" fill="hold">
+                                          <p:stCondLst>
+                                            <p:cond delay="0"/>
+                                          </p:stCondLst>
+                                        </p:cTn>
+                                        <p:tgtEl>
+                                          <p:spTgt spid="193"/>
+                                        </p:tgtEl>
+                                        <p:attrNameLst>
+                                          <p:attrName>style.visibility</p:attrName>
+                                        </p:attrNameLst>
+                                      </p:cBhvr>
+                                      <p:to>
+                                        <p:strVal val="visible"/>
+                                      </p:to>
+                                    </p:set>
+                                    <p:anim calcmode="lin" valueType="num">
+                                      <p:cBhvr additive="base">
+                                        <p:cTn dur="1000"/>
+                                        <p:tgtEl>
+                                          <p:spTgt spid="193"/>
+                                        </p:tgtEl>
+                                        <p:attrNameLst>
+                                          <p:attrName>ppt_y</p:attrName>
+                                        </p:attrNameLst>
+                                      </p:cBhvr>
+                                      <p:tavLst>
+                                        <p:tav fmla="" tm="0">
+                                          <p:val>
+                                            <p:strVal val="#ppt_y-1"/>
+                                          </p:val>
+                                        </p:tav>
+                                        <p:tav fmla="" tm="100000">
+                                          <p:val>
+                                            <p:strVal val="#ppt_y"/>
+                                          </p:val>
+                                        </p:tav>
+                                      </p:tavLst>
+                                    </p:anim>
+                                  </p:childTnLst>
+                                </p:cTn>
+                              </p:par>
+                            </p:childTnLst>
+                          </p:cTn>
+                        </p:par>
+                      </p:childTnLst>
+                    </p:cTn>
+                  </p:par>
+                  <p:par>
+                    <p:cTn fill="hold">
+                      <p:stCondLst>
+                        <p:cond delay="indefinite"/>
+                      </p:stCondLst>
+                      <p:childTnLst>
+                        <p:par>
+                          <p:cTn fill="hold">
+                            <p:stCondLst>
+                              <p:cond delay="0"/>
+                            </p:stCondLst>
+                            <p:childTnLst>
+                              <p:par>
+                                <p:cTn fill="hold" nodeType="clickEffect" presetClass="entr" presetID="10" presetSubtype="0">
+                                  <p:stCondLst>
+                                    <p:cond delay="0"/>
+                                  </p:stCondLst>
+                                  <p:childTnLst>
+                                    <p:set>
+                                      <p:cBhvr>
+                                        <p:cTn dur="1" fill="hold">
+                                          <p:stCondLst>
+                                            <p:cond delay="0"/>
+                                          </p:stCondLst>
+                                        </p:cTn>
+                                        <p:tgtEl>
+                                          <p:spTgt spid="195"/>
+                                        </p:tgtEl>
+                                        <p:attrNameLst>
+                                          <p:attrName>style.visibility</p:attrName>
+                                        </p:attrNameLst>
+                                      </p:cBhvr>
+                                      <p:to>
+                                        <p:strVal val="visible"/>
+                                      </p:to>
+                                    </p:set>
+                                    <p:animEffect filter="fade" transition="in">
+                                      <p:cBhvr>
+                                        <p:cTn dur="1000"/>
+                                        <p:tgtEl>
+                                          <p:spTgt spid="195"/>
+                                        </p:tgtEl>
+                                      </p:cBhvr>
+                                    </p:animEffect>
+                                  </p:childTnLst>
+                                </p:cTn>
+                              </p:par>
+                            </p:childTnLst>
+                          </p:cTn>
+                        </p:par>
+                      </p:childTnLst>
+                    </p:cTn>
+                  </p:par>
+                </p:childTnLst>
+              </p:cTn>
+              <p:prevCondLst>
+                <p:cond evt="onPrev">
+                  <p:tgtEl>
+                    <p:sldTgt/>
+                  </p:tgtEl>
+                </p:cond>
+              </p:prevCondLst>
+              <p:nextCondLst>
+                <p:cond evt="onNext">
+                  <p:tgtEl>
+                    <p:sldTgt/>
+                  </p:tgtEl>
+                </p:cond>
+              </p:nextCondLst>
+            </p:seq>
+          </p:childTnLst>
+        </p:cTn>
+      </p:par>
+    </p:tnLst>
+  </p:timing>
 </p:sld>
 </file>
 
@@ -10623,6 +10890,89 @@
   <p:clrMapOvr>
     <a:masterClrMapping/>
   </p:clrMapOvr>
+  <p:timing>
+    <p:tnLst>
+      <p:par>
+        <p:cTn dur="indefinite" nodeType="tmRoot" restart="never">
+          <p:childTnLst>
+            <p:seq concurrent="1" nextAc="seek">
+              <p:cTn dur="indefinite" id="2" nodeType="mainSeq">
+                <p:childTnLst>
+                  <p:par>
+                    <p:cTn fill="hold">
+                      <p:stCondLst>
+                        <p:cond delay="indefinite"/>
+                      </p:stCondLst>
+                      <p:childTnLst>
+                        <p:par>
+                          <p:cTn fill="hold">
+                            <p:stCondLst>
+                              <p:cond delay="0"/>
+                            </p:stCondLst>
+                            <p:childTnLst>
+                              <p:par>
+                                <p:cTn fill="hold" nodeType="clickEffect" presetClass="entr" presetID="10" presetSubtype="0">
+                                  <p:stCondLst>
+                                    <p:cond delay="0"/>
+                                  </p:stCondLst>
+                                  <p:childTnLst>
+                                    <p:set>
+                                      <p:cBhvr>
+                                        <p:cTn dur="1" fill="hold">
+                                          <p:stCondLst>
+                                            <p:cond delay="0"/>
+                                          </p:stCondLst>
+                                        </p:cTn>
+                                        <p:tgtEl>
+                                          <p:spTgt spid="201"/>
+                                        </p:tgtEl>
+                                        <p:attrNameLst>
+                                          <p:attrName>style.visibility</p:attrName>
+                                        </p:attrNameLst>
+                                      </p:cBhvr>
+                                      <p:to>
+                                        <p:strVal val="visible"/>
+                                      </p:to>
+                                    </p:set>
+                                    <p:animEffect filter="fade" transition="in">
+                                      <p:cBhvr>
+                                        <p:cTn dur="1000"/>
+                                        <p:tgtEl>
+                                          <p:spTgt spid="201"/>
+                                        </p:tgtEl>
+                                      </p:cBhvr>
+                                    </p:animEffect>
+                                  </p:childTnLst>
+                                </p:cTn>
+                              </p:par>
+                            </p:childTnLst>
+                          </p:cTn>
+                        </p:par>
+                      </p:childTnLst>
+                    </p:cTn>
+                  </p:par>
+                </p:childTnLst>
+              </p:cTn>
+              <p:prevCondLst>
+                <p:cond evt="onPrev">
+                  <p:tgtEl>
+                    <p:sldTgt/>
+                  </p:tgtEl>
+                </p:cond>
+              </p:prevCondLst>
+              <p:nextCondLst>
+                <p:cond evt="onNext">
+                  <p:tgtEl>
+                    <p:sldTgt/>
+                  </p:tgtEl>
+                </p:cond>
+              </p:nextCondLst>
+            </p:seq>
+          </p:childTnLst>
+        </p:cTn>
+      </p:par>
+    </p:tnLst>
+  </p:timing>
 </p:sld>
 </file>
 
@@ -10648,6 +10998,267 @@
           <p:cNvPr id="206" name="Google Shape;206;p24"/>
           <p:cNvSpPr txBox="1"/>
           <p:nvPr>
+            <p:ph type="title"/>
+          </p:nvPr>
+        </p:nvSpPr>
+        <p:spPr>
+          <a:xfrm>
+            <a:off x="1297500" y="393750"/>
+            <a:ext cx="7038900" cy="914100"/>
+          </a:xfrm>
+          <a:prstGeom prst="rect">
+            <a:avLst/>
+          </a:prstGeom>
+        </p:spPr>
+        <p:txBody>
+          <a:bodyPr anchorCtr="0" anchor="t" bIns="91425" lIns="91425" spcFirstLastPara="1" rIns="91425" wrap="square" tIns="91425">
+            <a:normAutofit/>
+          </a:bodyPr>
+          <a:lstStyle/>
+          <a:p>
+            <a:pPr indent="0" lvl="0" marL="0" rtl="0" algn="ctr">
+              <a:spcBef>
+                <a:spcPts val="0"/>
+              </a:spcBef>
+              <a:spcAft>
+                <a:spcPts val="0"/>
+              </a:spcAft>
+              <a:buNone/>
+            </a:pPr>
+            <a:r>
+              <a:rPr b="1" lang="en"/>
+              <a:t>SCIKIT-LEARN</a:t>
+            </a:r>
+            <a:endParaRPr b="1"/>
+          </a:p>
+        </p:txBody>
+      </p:sp>
+      <p:sp>
+        <p:nvSpPr>
+          <p:cNvPr id="207" name="Google Shape;207;p24"/>
+          <p:cNvSpPr txBox="1"/>
+          <p:nvPr>
+            <p:ph idx="1" type="body"/>
+          </p:nvPr>
+        </p:nvSpPr>
+        <p:spPr>
+          <a:xfrm>
+            <a:off x="1297500" y="1567550"/>
+            <a:ext cx="7038900" cy="2911200"/>
+          </a:xfrm>
+          <a:prstGeom prst="rect">
+            <a:avLst/>
+          </a:prstGeom>
+        </p:spPr>
+        <p:txBody>
+          <a:bodyPr anchorCtr="0" anchor="t" bIns="91425" lIns="91425" spcFirstLastPara="1" rIns="91425" wrap="square" tIns="91425">
+            <a:normAutofit/>
+          </a:bodyPr>
+          <a:lstStyle/>
+          <a:p>
+            <a:pPr indent="0" lvl="0" marL="0" rtl="0" algn="l">
+              <a:spcBef>
+                <a:spcPts val="0"/>
+              </a:spcBef>
+              <a:spcAft>
+                <a:spcPts val="1200"/>
+              </a:spcAft>
+              <a:buNone/>
+            </a:pPr>
+            <a:r>
+              <a:rPr lang="en" sz="2150">
+                <a:latin typeface="Arial"/>
+                <a:ea typeface="Arial"/>
+                <a:cs typeface="Arial"/>
+                <a:sym typeface="Arial"/>
+              </a:rPr>
+              <a:t>Scikit-learn (Sklearn) is the most useful and robust library for machine learning in Python. It provides a selection of efficient tools for machine learning and statistical modeling via an interface in Python. This library, which is largely written in Python, is built upon NumPy, SciPy and Matplotlib.</a:t>
+            </a:r>
+            <a:endParaRPr sz="2100"/>
+          </a:p>
+        </p:txBody>
+      </p:sp>
+    </p:spTree>
+  </p:cSld>
+  <p:clrMapOvr>
+    <a:masterClrMapping/>
+  </p:clrMapOvr>
+  <p:timing>
+    <p:tnLst>
+      <p:par>
+        <p:cTn dur="indefinite" nodeType="tmRoot" restart="never">
+          <p:childTnLst>
+            <p:seq concurrent="1" nextAc="seek">
+              <p:cTn dur="indefinite" id="2" nodeType="mainSeq">
+                <p:childTnLst>
+                  <p:par>
+                    <p:cTn fill="hold">
+                      <p:stCondLst>
+                        <p:cond delay="indefinite"/>
+                      </p:stCondLst>
+                      <p:childTnLst>
+                        <p:par>
+                          <p:cTn fill="hold">
+                            <p:stCondLst>
+                              <p:cond delay="0"/>
+                            </p:stCondLst>
+                            <p:childTnLst>
+                              <p:par>
+                                <p:cTn fill="hold" nodeType="clickEffect" presetClass="entr" presetID="2" presetSubtype="1">
+                                  <p:stCondLst>
+                                    <p:cond delay="0"/>
+                                  </p:stCondLst>
+                                  <p:childTnLst>
+                                    <p:set>
+                                      <p:cBhvr>
+                                        <p:cTn dur="1" fill="hold">
+                                          <p:stCondLst>
+                                            <p:cond delay="0"/>
+                                          </p:stCondLst>
+                                        </p:cTn>
+                                        <p:tgtEl>
+                                          <p:spTgt spid="206"/>
+                                        </p:tgtEl>
+                                        <p:attrNameLst>
+                                          <p:attrName>style.visibility</p:attrName>
+                                        </p:attrNameLst>
+                                      </p:cBhvr>
+                                      <p:to>
+                                        <p:strVal val="visible"/>
+                                      </p:to>
+                                    </p:set>
+                                    <p:anim calcmode="lin" valueType="num">
+                                      <p:cBhvr additive="base">
+                                        <p:cTn dur="1000"/>
+                                        <p:tgtEl>
+                                          <p:spTgt spid="206"/>
+                                        </p:tgtEl>
+                                        <p:attrNameLst>
+                                          <p:attrName>ppt_y</p:attrName>
+                                        </p:attrNameLst>
+                                      </p:cBhvr>
+                                      <p:tavLst>
+                                        <p:tav fmla="" tm="0">
+                                          <p:val>
+                                            <p:strVal val="#ppt_y-1"/>
+                                          </p:val>
+                                        </p:tav>
+                                        <p:tav fmla="" tm="100000">
+                                          <p:val>
+                                            <p:strVal val="#ppt_y"/>
+                                          </p:val>
+                                        </p:tav>
+                                      </p:tavLst>
+                                    </p:anim>
+                                  </p:childTnLst>
+                                </p:cTn>
+                              </p:par>
+                            </p:childTnLst>
+                          </p:cTn>
+                        </p:par>
+                      </p:childTnLst>
+                    </p:cTn>
+                  </p:par>
+                  <p:par>
+                    <p:cTn fill="hold">
+                      <p:stCondLst>
+                        <p:cond delay="indefinite"/>
+                      </p:stCondLst>
+                      <p:childTnLst>
+                        <p:par>
+                          <p:cTn fill="hold">
+                            <p:stCondLst>
+                              <p:cond delay="0"/>
+                            </p:stCondLst>
+                            <p:childTnLst>
+                              <p:par>
+                                <p:cTn fill="hold" nodeType="clickEffect" presetClass="entr" presetID="10" presetSubtype="0">
+                                  <p:stCondLst>
+                                    <p:cond delay="0"/>
+                                  </p:stCondLst>
+                                  <p:childTnLst>
+                                    <p:set>
+                                      <p:cBhvr>
+                                        <p:cTn dur="1" fill="hold">
+                                          <p:stCondLst>
+                                            <p:cond delay="0"/>
+                                          </p:stCondLst>
+                                        </p:cTn>
+                                        <p:tgtEl>
+                                          <p:spTgt spid="207"/>
+                                        </p:tgtEl>
+                                        <p:attrNameLst>
+                                          <p:attrName>style.visibility</p:attrName>
+                                        </p:attrNameLst>
+                                      </p:cBhvr>
+                                      <p:to>
+                                        <p:strVal val="visible"/>
+                                      </p:to>
+                                    </p:set>
+                                    <p:animEffect filter="fade" transition="in">
+                                      <p:cBhvr>
+                                        <p:cTn dur="1000"/>
+                                        <p:tgtEl>
+                                          <p:spTgt spid="207"/>
+                                        </p:tgtEl>
+                                      </p:cBhvr>
+                                    </p:animEffect>
+                                  </p:childTnLst>
+                                </p:cTn>
+                              </p:par>
+                            </p:childTnLst>
+                          </p:cTn>
+                        </p:par>
+                      </p:childTnLst>
+                    </p:cTn>
+                  </p:par>
+                </p:childTnLst>
+              </p:cTn>
+              <p:prevCondLst>
+                <p:cond evt="onPrev">
+                  <p:tgtEl>
+                    <p:sldTgt/>
+                  </p:tgtEl>
+                </p:cond>
+              </p:prevCondLst>
+              <p:nextCondLst>
+                <p:cond evt="onNext">
+                  <p:tgtEl>
+                    <p:sldTgt/>
+                  </p:tgtEl>
+                </p:cond>
+              </p:nextCondLst>
+            </p:seq>
+          </p:childTnLst>
+        </p:cTn>
+      </p:par>
+    </p:tnLst>
+  </p:timing>
+</p:sld>
+</file>
+
+<file path=ppt/slides/slide13.xml><?xml version="1.0" encoding="utf-8"?>
+<p:sld xmlns:a="http://schemas.openxmlformats.org/drawingml/2006/main" xmlns:r="http://schemas.openxmlformats.org/officeDocument/2006/relationships" xmlns:mc="http://schemas.openxmlformats.org/markup-compatibility/2006" xmlns:mv="urn:schemas-microsoft-com:mac:vml" xmlns:p="http://schemas.openxmlformats.org/presentationml/2006/main" xmlns:c="http://schemas.openxmlformats.org/drawingml/2006/chart" xmlns:dgm="http://schemas.openxmlformats.org/drawingml/2006/diagram" xmlns:o="urn:schemas-microsoft-com:office:office" xmlns:v="urn:schemas-microsoft-com:vml" xmlns:pvml="urn:schemas-microsoft-com:office:powerpoint" xmlns:com="http://schemas.openxmlformats.org/drawingml/2006/compatibility" xmlns:p14="http://schemas.microsoft.com/office/powerpoint/2010/main" xmlns:p15="http://schemas.microsoft.com/office/powerpoint/2012/main" xmlns:ahyp="http://schemas.microsoft.com/office/drawing/2018/hyperlinkcolor">
+  <p:cSld>
+    <p:spTree>
+      <p:nvGrpSpPr>
+        <p:cNvPr id="211" name="Shape 211"/>
+        <p:cNvGrpSpPr/>
+        <p:nvPr/>
+      </p:nvGrpSpPr>
+      <p:grpSpPr>
+        <a:xfrm>
+          <a:off x="0" y="0"/>
+          <a:ext cx="0" cy="0"/>
+          <a:chOff x="0" y="0"/>
+          <a:chExt cx="0" cy="0"/>
+        </a:xfrm>
+      </p:grpSpPr>
+      <p:sp>
+        <p:nvSpPr>
+          <p:cNvPr id="212" name="Google Shape;212;p25"/>
+          <p:cNvSpPr txBox="1"/>
+          <p:nvPr>
             <p:ph idx="1" type="body"/>
           </p:nvPr>
         </p:nvSpPr>
@@ -10684,7 +11295,7 @@
       </p:sp>
       <p:pic>
         <p:nvPicPr>
-          <p:cNvPr id="207" name="Google Shape;207;p24"/>
+          <p:cNvPr id="213" name="Google Shape;213;p25"/>
           <p:cNvPicPr preferRelativeResize="0"/>
           <p:nvPr/>
         </p:nvPicPr>
@@ -10715,6 +11326,89 @@
   <p:clrMapOvr>
     <a:masterClrMapping/>
   </p:clrMapOvr>
+  <p:timing>
+    <p:tnLst>
+      <p:par>
+        <p:cTn dur="indefinite" nodeType="tmRoot" restart="never">
+          <p:childTnLst>
+            <p:seq concurrent="1" nextAc="seek">
+              <p:cTn dur="indefinite" id="2" nodeType="mainSeq">
+                <p:childTnLst>
+                  <p:par>
+                    <p:cTn fill="hold">
+                      <p:stCondLst>
+                        <p:cond delay="indefinite"/>
+                      </p:stCondLst>
+                      <p:childTnLst>
+                        <p:par>
+                          <p:cTn fill="hold">
+                            <p:stCondLst>
+                              <p:cond delay="0"/>
+                            </p:stCondLst>
+                            <p:childTnLst>
+                              <p:par>
+                                <p:cTn fill="hold" nodeType="clickEffect" presetClass="entr" presetID="10" presetSubtype="0">
+                                  <p:stCondLst>
+                                    <p:cond delay="0"/>
+                                  </p:stCondLst>
+                                  <p:childTnLst>
+                                    <p:set>
+                                      <p:cBhvr>
+                                        <p:cTn dur="1" fill="hold">
+                                          <p:stCondLst>
+                                            <p:cond delay="0"/>
+                                          </p:stCondLst>
+                                        </p:cTn>
+                                        <p:tgtEl>
+                                          <p:spTgt spid="213"/>
+                                        </p:tgtEl>
+                                        <p:attrNameLst>
+                                          <p:attrName>style.visibility</p:attrName>
+                                        </p:attrNameLst>
+                                      </p:cBhvr>
+                                      <p:to>
+                                        <p:strVal val="visible"/>
+                                      </p:to>
+                                    </p:set>
+                                    <p:animEffect filter="fade" transition="in">
+                                      <p:cBhvr>
+                                        <p:cTn dur="1000"/>
+                                        <p:tgtEl>
+                                          <p:spTgt spid="213"/>
+                                        </p:tgtEl>
+                                      </p:cBhvr>
+                                    </p:animEffect>
+                                  </p:childTnLst>
+                                </p:cTn>
+                              </p:par>
+                            </p:childTnLst>
+                          </p:cTn>
+                        </p:par>
+                      </p:childTnLst>
+                    </p:cTn>
+                  </p:par>
+                </p:childTnLst>
+              </p:cTn>
+              <p:prevCondLst>
+                <p:cond evt="onPrev">
+                  <p:tgtEl>
+                    <p:sldTgt/>
+                  </p:tgtEl>
+                </p:cond>
+              </p:prevCondLst>
+              <p:nextCondLst>
+                <p:cond evt="onNext">
+                  <p:tgtEl>
+                    <p:sldTgt/>
+                  </p:tgtEl>
+                </p:cond>
+              </p:nextCondLst>
+            </p:seq>
+          </p:childTnLst>
+        </p:cTn>
+      </p:par>
+    </p:tnLst>
+  </p:timing>
 </p:sld>
 </file>
 
@@ -11601,6 +12295,157 @@
   <p:clrMapOvr>
     <a:masterClrMapping/>
   </p:clrMapOvr>
+  <p:timing>
+    <p:tnLst>
+      <p:par>
+        <p:cTn dur="indefinite" nodeType="tmRoot" restart="never">
+          <p:childTnLst>
+            <p:seq concurrent="1" nextAc="seek">
+              <p:cTn dur="indefinite" id="2" nodeType="mainSeq">
+                <p:childTnLst>
+                  <p:par>
+                    <p:cTn fill="hold">
+                      <p:stCondLst>
+                        <p:cond delay="indefinite"/>
+                      </p:stCondLst>
+                      <p:childTnLst>
+                        <p:par>
+                          <p:cTn fill="hold">
+                            <p:stCondLst>
+                              <p:cond delay="0"/>
+                            </p:stCondLst>
+                            <p:childTnLst>
+                              <p:par>
+                                <p:cTn fill="hold" nodeType="clickEffect" presetClass="entr" presetID="2" presetSubtype="1">
+                                  <p:stCondLst>
+                                    <p:cond delay="0"/>
+                                  </p:stCondLst>
+                                  <p:childTnLst>
+                                    <p:set>
+                                      <p:cBhvr>
+                                        <p:cTn dur="1" fill="hold">
+                                          <p:stCondLst>
+                                            <p:cond delay="0"/>
+                                          </p:stCondLst>
+                                        </p:cTn>
+                                        <p:tgtEl>
+                                          <p:spTgt spid="158"/>
+                                        </p:tgtEl>
+                                        <p:attrNameLst>
+                                          <p:attrName>style.visibility</p:attrName>
+                                        </p:attrNameLst>
+                                      </p:cBhvr>
+                                      <p:to>
+                                        <p:strVal val="visible"/>
+                                      </p:to>
+                                    </p:set>
+                                    <p:anim calcmode="lin" valueType="num">
+                                      <p:cBhvr additive="base">
+                                        <p:cTn dur="1000"/>
+                                        <p:tgtEl>
+                                          <p:spTgt spid="158"/>
+                                        </p:tgtEl>
+                                        <p:attrNameLst>
+                                          <p:attrName>ppt_y</p:attrName>
+                                        </p:attrNameLst>
+                                      </p:cBhvr>
+                                      <p:tavLst>
+                                        <p:tav fmla="" tm="0">
+                                          <p:val>
+                                            <p:strVal val="#ppt_y-1"/>
+                                          </p:val>
+                                        </p:tav>
+                                        <p:tav fmla="" tm="100000">
+                                          <p:val>
+                                            <p:strVal val="#ppt_y"/>
+                                          </p:val>
+                                        </p:tav>
+                                      </p:tavLst>
+                                    </p:anim>
+                                  </p:childTnLst>
+                                </p:cTn>
+                              </p:par>
+                            </p:childTnLst>
+                          </p:cTn>
+                        </p:par>
+                      </p:childTnLst>
+                    </p:cTn>
+                  </p:par>
+                  <p:par>
+                    <p:cTn fill="hold">
+                      <p:stCondLst>
+                        <p:cond delay="indefinite"/>
+                      </p:stCondLst>
+                      <p:childTnLst>
+                        <p:par>
+                          <p:cTn fill="hold">
+                            <p:stCondLst>
+                              <p:cond delay="0"/>
+                            </p:stCondLst>
+                            <p:childTnLst>
+                              <p:par>
+                                <p:cTn fill="hold" nodeType="clickEffect" presetClass="entr" presetID="10" presetSubtype="0">
+                                  <p:stCondLst>
+                                    <p:cond delay="0"/>
+                                  </p:stCondLst>
+                                  <p:childTnLst>
+                                    <p:set>
+                                      <p:cBhvr>
+                                        <p:cTn dur="1" fill="hold">
+                                          <p:stCondLst>
+                                            <p:cond delay="0"/>
+                                          </p:stCondLst>
+                                        </p:cTn>
+                                        <p:tgtEl>
+                                          <p:spTgt spid="160"/>
+                                        </p:tgtEl>
+                                        <p:attrNameLst>
+                                          <p:attrName>style.visibility</p:attrName>
+                                        </p:attrNameLst>
+                                      </p:cBhvr>
+                                      <p:to>
+                                        <p:strVal val="visible"/>
+                                      </p:to>
+                                    </p:set>
+                                    <p:animEffect filter="fade" transition="in">
+                                      <p:cBhvr>
+                                        <p:cTn dur="1000"/>
+                                        <p:tgtEl>
+                                          <p:spTgt spid="160"/>
+                                        </p:tgtEl>
+                                      </p:cBhvr>
+                                    </p:animEffect>
+                                  </p:childTnLst>
+                                </p:cTn>
+                              </p:par>
+                            </p:childTnLst>
+                          </p:cTn>
+                        </p:par>
+                      </p:childTnLst>
+                    </p:cTn>
+                  </p:par>
+                </p:childTnLst>
+              </p:cTn>
+              <p:prevCondLst>
+                <p:cond evt="onPrev">
+                  <p:tgtEl>
+                    <p:sldTgt/>
+                  </p:tgtEl>
+                </p:cond>
+              </p:prevCondLst>
+              <p:nextCondLst>
+                <p:cond evt="onNext">
+                  <p:tgtEl>
+                    <p:sldTgt/>
+                  </p:tgtEl>
+                </p:cond>
+              </p:nextCondLst>
+            </p:seq>
+          </p:childTnLst>
+        </p:cTn>
+      </p:par>
+    </p:tnLst>
+  </p:timing>
 </p:sld>
 </file>
 
@@ -11733,6 +12578,157 @@
   <p:clrMapOvr>
     <a:masterClrMapping/>
   </p:clrMapOvr>
+  <p:timing>
+    <p:tnLst>
+      <p:par>
+        <p:cTn dur="indefinite" nodeType="tmRoot" restart="never">
+          <p:childTnLst>
+            <p:seq concurrent="1" nextAc="seek">
+              <p:cTn dur="indefinite" id="2" nodeType="mainSeq">
+                <p:childTnLst>
+                  <p:par>
+                    <p:cTn fill="hold">
+                      <p:stCondLst>
+                        <p:cond delay="indefinite"/>
+                      </p:stCondLst>
+                      <p:childTnLst>
+                        <p:par>
+                          <p:cTn fill="hold">
+                            <p:stCondLst>
+                              <p:cond delay="0"/>
+                            </p:stCondLst>
+                            <p:childTnLst>
+                              <p:par>
+                                <p:cTn fill="hold" nodeType="clickEffect" presetClass="entr" presetID="2" presetSubtype="1">
+                                  <p:stCondLst>
+                                    <p:cond delay="0"/>
+                                  </p:stCondLst>
+                                  <p:childTnLst>
+                                    <p:set>
+                                      <p:cBhvr>
+                                        <p:cTn dur="1" fill="hold">
+                                          <p:stCondLst>
+                                            <p:cond delay="0"/>
+                                          </p:stCondLst>
+                                        </p:cTn>
+                                        <p:tgtEl>
+                                          <p:spTgt spid="165"/>
+                                        </p:tgtEl>
+                                        <p:attrNameLst>
+                                          <p:attrName>style.visibility</p:attrName>
+                                        </p:attrNameLst>
+                                      </p:cBhvr>
+                                      <p:to>
+                                        <p:strVal val="visible"/>
+                                      </p:to>
+                                    </p:set>
+                                    <p:anim calcmode="lin" valueType="num">
+                                      <p:cBhvr additive="base">
+                                        <p:cTn dur="1000"/>
+                                        <p:tgtEl>
+                                          <p:spTgt spid="165"/>
+                                        </p:tgtEl>
+                                        <p:attrNameLst>
+                                          <p:attrName>ppt_y</p:attrName>
+                                        </p:attrNameLst>
+                                      </p:cBhvr>
+                                      <p:tavLst>
+                                        <p:tav fmla="" tm="0">
+                                          <p:val>
+                                            <p:strVal val="#ppt_y-1"/>
+                                          </p:val>
+                                        </p:tav>
+                                        <p:tav fmla="" tm="100000">
+                                          <p:val>
+                                            <p:strVal val="#ppt_y"/>
+                                          </p:val>
+                                        </p:tav>
+                                      </p:tavLst>
+                                    </p:anim>
+                                  </p:childTnLst>
+                                </p:cTn>
+                              </p:par>
+                            </p:childTnLst>
+                          </p:cTn>
+                        </p:par>
+                      </p:childTnLst>
+                    </p:cTn>
+                  </p:par>
+                  <p:par>
+                    <p:cTn fill="hold">
+                      <p:stCondLst>
+                        <p:cond delay="indefinite"/>
+                      </p:stCondLst>
+                      <p:childTnLst>
+                        <p:par>
+                          <p:cTn fill="hold">
+                            <p:stCondLst>
+                              <p:cond delay="0"/>
+                            </p:stCondLst>
+                            <p:childTnLst>
+                              <p:par>
+                                <p:cTn fill="hold" nodeType="clickEffect" presetClass="entr" presetID="10" presetSubtype="0">
+                                  <p:stCondLst>
+                                    <p:cond delay="0"/>
+                                  </p:stCondLst>
+                                  <p:childTnLst>
+                                    <p:set>
+                                      <p:cBhvr>
+                                        <p:cTn dur="1" fill="hold">
+                                          <p:stCondLst>
+                                            <p:cond delay="0"/>
+                                          </p:stCondLst>
+                                        </p:cTn>
+                                        <p:tgtEl>
+                                          <p:spTgt spid="167"/>
+                                        </p:tgtEl>
+                                        <p:attrNameLst>
+                                          <p:attrName>style.visibility</p:attrName>
+                                        </p:attrNameLst>
+                                      </p:cBhvr>
+                                      <p:to>
+                                        <p:strVal val="visible"/>
+                                      </p:to>
+                                    </p:set>
+                                    <p:animEffect filter="fade" transition="in">
+                                      <p:cBhvr>
+                                        <p:cTn dur="1000"/>
+                                        <p:tgtEl>
+                                          <p:spTgt spid="167"/>
+                                        </p:tgtEl>
+                                      </p:cBhvr>
+                                    </p:animEffect>
+                                  </p:childTnLst>
+                                </p:cTn>
+                              </p:par>
+                            </p:childTnLst>
+                          </p:cTn>
+                        </p:par>
+                      </p:childTnLst>
+                    </p:cTn>
+                  </p:par>
+                </p:childTnLst>
+              </p:cTn>
+              <p:prevCondLst>
+                <p:cond evt="onPrev">
+                  <p:tgtEl>
+                    <p:sldTgt/>
+                  </p:tgtEl>
+                </p:cond>
+              </p:prevCondLst>
+              <p:nextCondLst>
+                <p:cond evt="onNext">
+                  <p:tgtEl>
+                    <p:sldTgt/>
+                  </p:tgtEl>
+                </p:cond>
+              </p:nextCondLst>
+            </p:seq>
+          </p:childTnLst>
+        </p:cTn>
+      </p:par>
+    </p:tnLst>
+  </p:timing>
 </p:sld>
 </file>
 
@@ -11865,6 +12861,157 @@
   <p:clrMapOvr>
     <a:masterClrMapping/>
   </p:clrMapOvr>
+  <p:timing>
+    <p:tnLst>
+      <p:par>
+        <p:cTn dur="indefinite" nodeType="tmRoot" restart="never">
+          <p:childTnLst>
+            <p:seq concurrent="1" nextAc="seek">
+              <p:cTn dur="indefinite" id="2" nodeType="mainSeq">
+                <p:childTnLst>
+                  <p:par>
+                    <p:cTn fill="hold">
+                      <p:stCondLst>
+                        <p:cond delay="indefinite"/>
+                      </p:stCondLst>
+                      <p:childTnLst>
+                        <p:par>
+                          <p:cTn fill="hold">
+                            <p:stCondLst>
+                              <p:cond delay="0"/>
+                            </p:stCondLst>
+                            <p:childTnLst>
+                              <p:par>
+                                <p:cTn fill="hold" nodeType="clickEffect" presetClass="entr" presetID="2" presetSubtype="1">
+                                  <p:stCondLst>
+                                    <p:cond delay="0"/>
+                                  </p:stCondLst>
+                                  <p:childTnLst>
+                                    <p:set>
+                                      <p:cBhvr>
+                                        <p:cTn dur="1" fill="hold">
+                                          <p:stCondLst>
+                                            <p:cond delay="0"/>
+                                          </p:stCondLst>
+                                        </p:cTn>
+                                        <p:tgtEl>
+                                          <p:spTgt spid="172"/>
+                                        </p:tgtEl>
+                                        <p:attrNameLst>
+                                          <p:attrName>style.visibility</p:attrName>
+                                        </p:attrNameLst>
+                                      </p:cBhvr>
+                                      <p:to>
+                                        <p:strVal val="visible"/>
+                                      </p:to>
+                                    </p:set>
+                                    <p:anim calcmode="lin" valueType="num">
+                                      <p:cBhvr additive="base">
+                                        <p:cTn dur="1000"/>
+                                        <p:tgtEl>
+                                          <p:spTgt spid="172"/>
+                                        </p:tgtEl>
+                                        <p:attrNameLst>
+                                          <p:attrName>ppt_y</p:attrName>
+                                        </p:attrNameLst>
+                                      </p:cBhvr>
+                                      <p:tavLst>
+                                        <p:tav fmla="" tm="0">
+                                          <p:val>
+                                            <p:strVal val="#ppt_y-1"/>
+                                          </p:val>
+                                        </p:tav>
+                                        <p:tav fmla="" tm="100000">
+                                          <p:val>
+                                            <p:strVal val="#ppt_y"/>
+                                          </p:val>
+                                        </p:tav>
+                                      </p:tavLst>
+                                    </p:anim>
+                                  </p:childTnLst>
+                                </p:cTn>
+                              </p:par>
+                            </p:childTnLst>
+                          </p:cTn>
+                        </p:par>
+                      </p:childTnLst>
+                    </p:cTn>
+                  </p:par>
+                  <p:par>
+                    <p:cTn fill="hold">
+                      <p:stCondLst>
+                        <p:cond delay="indefinite"/>
+                      </p:stCondLst>
+                      <p:childTnLst>
+                        <p:par>
+                          <p:cTn fill="hold">
+                            <p:stCondLst>
+                              <p:cond delay="0"/>
+                            </p:stCondLst>
+                            <p:childTnLst>
+                              <p:par>
+                                <p:cTn fill="hold" nodeType="clickEffect" presetClass="entr" presetID="10" presetSubtype="0">
+                                  <p:stCondLst>
+                                    <p:cond delay="0"/>
+                                  </p:stCondLst>
+                                  <p:childTnLst>
+                                    <p:set>
+                                      <p:cBhvr>
+                                        <p:cTn dur="1" fill="hold">
+                                          <p:stCondLst>
+                                            <p:cond delay="0"/>
+                                          </p:stCondLst>
+                                        </p:cTn>
+                                        <p:tgtEl>
+                                          <p:spTgt spid="174"/>
+                                        </p:tgtEl>
+                                        <p:attrNameLst>
+                                          <p:attrName>style.visibility</p:attrName>
+                                        </p:attrNameLst>
+                                      </p:cBhvr>
+                                      <p:to>
+                                        <p:strVal val="visible"/>
+                                      </p:to>
+                                    </p:set>
+                                    <p:animEffect filter="fade" transition="in">
+                                      <p:cBhvr>
+                                        <p:cTn dur="1000"/>
+                                        <p:tgtEl>
+                                          <p:spTgt spid="174"/>
+                                        </p:tgtEl>
+                                      </p:cBhvr>
+                                    </p:animEffect>
+                                  </p:childTnLst>
+                                </p:cTn>
+                              </p:par>
+                            </p:childTnLst>
+                          </p:cTn>
+                        </p:par>
+                      </p:childTnLst>
+                    </p:cTn>
+                  </p:par>
+                </p:childTnLst>
+              </p:cTn>
+              <p:prevCondLst>
+                <p:cond evt="onPrev">
+                  <p:tgtEl>
+                    <p:sldTgt/>
+                  </p:tgtEl>
+                </p:cond>
+              </p:prevCondLst>
+              <p:nextCondLst>
+                <p:cond evt="onNext">
+                  <p:tgtEl>
+                    <p:sldTgt/>
+                  </p:tgtEl>
+                </p:cond>
+              </p:nextCondLst>
+            </p:seq>
+          </p:childTnLst>
+        </p:cTn>
+      </p:par>
+    </p:tnLst>
+  </p:timing>
 </p:sld>
 </file>
 
@@ -11997,6 +13144,157 @@
   <p:clrMapOvr>
     <a:masterClrMapping/>
   </p:clrMapOvr>
+  <p:timing>
+    <p:tnLst>
+      <p:par>
+        <p:cTn dur="indefinite" nodeType="tmRoot" restart="never">
+          <p:childTnLst>
+            <p:seq concurrent="1" nextAc="seek">
+              <p:cTn dur="indefinite" id="2" nodeType="mainSeq">
+                <p:childTnLst>
+                  <p:par>
+                    <p:cTn fill="hold">
+                      <p:stCondLst>
+                        <p:cond delay="indefinite"/>
+                      </p:stCondLst>
+                      <p:childTnLst>
+                        <p:par>
+                          <p:cTn fill="hold">
+                            <p:stCondLst>
+                              <p:cond delay="0"/>
+                            </p:stCondLst>
+                            <p:childTnLst>
+                              <p:par>
+                                <p:cTn fill="hold" nodeType="clickEffect" presetClass="entr" presetID="2" presetSubtype="1">
+                                  <p:stCondLst>
+                                    <p:cond delay="0"/>
+                                  </p:stCondLst>
+                                  <p:childTnLst>
+                                    <p:set>
+                                      <p:cBhvr>
+                                        <p:cTn dur="1" fill="hold">
+                                          <p:stCondLst>
+                                            <p:cond delay="0"/>
+                                          </p:stCondLst>
+                                        </p:cTn>
+                                        <p:tgtEl>
+                                          <p:spTgt spid="179"/>
+                                        </p:tgtEl>
+                                        <p:attrNameLst>
+                                          <p:attrName>style.visibility</p:attrName>
+                                        </p:attrNameLst>
+                                      </p:cBhvr>
+                                      <p:to>
+                                        <p:strVal val="visible"/>
+                                      </p:to>
+                                    </p:set>
+                                    <p:anim calcmode="lin" valueType="num">
+                                      <p:cBhvr additive="base">
+                                        <p:cTn dur="1000"/>
+                                        <p:tgtEl>
+                                          <p:spTgt spid="179"/>
+                                        </p:tgtEl>
+                                        <p:attrNameLst>
+                                          <p:attrName>ppt_y</p:attrName>
+                                        </p:attrNameLst>
+                                      </p:cBhvr>
+                                      <p:tavLst>
+                                        <p:tav fmla="" tm="0">
+                                          <p:val>
+                                            <p:strVal val="#ppt_y-1"/>
+                                          </p:val>
+                                        </p:tav>
+                                        <p:tav fmla="" tm="100000">
+                                          <p:val>
+                                            <p:strVal val="#ppt_y"/>
+                                          </p:val>
+                                        </p:tav>
+                                      </p:tavLst>
+                                    </p:anim>
+                                  </p:childTnLst>
+                                </p:cTn>
+                              </p:par>
+                            </p:childTnLst>
+                          </p:cTn>
+                        </p:par>
+                      </p:childTnLst>
+                    </p:cTn>
+                  </p:par>
+                  <p:par>
+                    <p:cTn fill="hold">
+                      <p:stCondLst>
+                        <p:cond delay="indefinite"/>
+                      </p:stCondLst>
+                      <p:childTnLst>
+                        <p:par>
+                          <p:cTn fill="hold">
+                            <p:stCondLst>
+                              <p:cond delay="0"/>
+                            </p:stCondLst>
+                            <p:childTnLst>
+                              <p:par>
+                                <p:cTn fill="hold" nodeType="clickEffect" presetClass="entr" presetID="10" presetSubtype="0">
+                                  <p:stCondLst>
+                                    <p:cond delay="0"/>
+                                  </p:stCondLst>
+                                  <p:childTnLst>
+                                    <p:set>
+                                      <p:cBhvr>
+                                        <p:cTn dur="1" fill="hold">
+                                          <p:stCondLst>
+                                            <p:cond delay="0"/>
+                                          </p:stCondLst>
+                                        </p:cTn>
+                                        <p:tgtEl>
+                                          <p:spTgt spid="181"/>
+                                        </p:tgtEl>
+                                        <p:attrNameLst>
+                                          <p:attrName>style.visibility</p:attrName>
+                                        </p:attrNameLst>
+                                      </p:cBhvr>
+                                      <p:to>
+                                        <p:strVal val="visible"/>
+                                      </p:to>
+                                    </p:set>
+                                    <p:animEffect filter="fade" transition="in">
+                                      <p:cBhvr>
+                                        <p:cTn dur="1000"/>
+                                        <p:tgtEl>
+                                          <p:spTgt spid="181"/>
+                                        </p:tgtEl>
+                                      </p:cBhvr>
+                                    </p:animEffect>
+                                  </p:childTnLst>
+                                </p:cTn>
+                              </p:par>
+                            </p:childTnLst>
+                          </p:cTn>
+                        </p:par>
+                      </p:childTnLst>
+                    </p:cTn>
+                  </p:par>
+                </p:childTnLst>
+              </p:cTn>
+              <p:prevCondLst>
+                <p:cond evt="onPrev">
+                  <p:tgtEl>
+                    <p:sldTgt/>
+                  </p:tgtEl>
+                </p:cond>
+              </p:prevCondLst>
+              <p:nextCondLst>
+                <p:cond evt="onNext">
+                  <p:tgtEl>
+                    <p:sldTgt/>
+                  </p:tgtEl>
+                </p:cond>
+              </p:nextCondLst>
+            </p:seq>
+          </p:childTnLst>
+        </p:cTn>
+      </p:par>
+    </p:tnLst>
+  </p:timing>
 </p:sld>
 </file>
 
@@ -12129,6 +13427,157 @@
   <p:clrMapOvr>
     <a:masterClrMapping/>
   </p:clrMapOvr>
+  <p:timing>
+    <p:tnLst>
+      <p:par>
+        <p:cTn dur="indefinite" nodeType="tmRoot" restart="never">
+          <p:childTnLst>
+            <p:seq concurrent="1" nextAc="seek">
+              <p:cTn dur="indefinite" id="2" nodeType="mainSeq">
+                <p:childTnLst>
+                  <p:par>
+                    <p:cTn fill="hold">
+                      <p:stCondLst>
+                        <p:cond delay="indefinite"/>
+                      </p:stCondLst>
+                      <p:childTnLst>
+                        <p:par>
+                          <p:cTn fill="hold">
+                            <p:stCondLst>
+                              <p:cond delay="0"/>
+                            </p:stCondLst>
+                            <p:childTnLst>
+                              <p:par>
+                                <p:cTn fill="hold" nodeType="clickEffect" presetClass="entr" presetID="2" presetSubtype="1">
+                                  <p:stCondLst>
+                                    <p:cond delay="0"/>
+                                  </p:stCondLst>
+                                  <p:childTnLst>
+                                    <p:set>
+                                      <p:cBhvr>
+                                        <p:cTn dur="1" fill="hold">
+                                          <p:stCondLst>
+                                            <p:cond delay="0"/>
+                                          </p:stCondLst>
+                                        </p:cTn>
+                                        <p:tgtEl>
+                                          <p:spTgt spid="186"/>
+                                        </p:tgtEl>
+                                        <p:attrNameLst>
+                                          <p:attrName>style.visibility</p:attrName>
+                                        </p:attrNameLst>
+                                      </p:cBhvr>
+                                      <p:to>
+                                        <p:strVal val="visible"/>
+                                      </p:to>
+                                    </p:set>
+                                    <p:anim calcmode="lin" valueType="num">
+                                      <p:cBhvr additive="base">
+                                        <p:cTn dur="1000"/>
+                                        <p:tgtEl>
+                                          <p:spTgt spid="186"/>
+                                        </p:tgtEl>
+                                        <p:attrNameLst>
+                                          <p:attrName>ppt_y</p:attrName>
+                                        </p:attrNameLst>
+                                      </p:cBhvr>
+                                      <p:tavLst>
+                                        <p:tav fmla="" tm="0">
+                                          <p:val>
+                                            <p:strVal val="#ppt_y-1"/>
+                                          </p:val>
+                                        </p:tav>
+                                        <p:tav fmla="" tm="100000">
+                                          <p:val>
+                                            <p:strVal val="#ppt_y"/>
+                                          </p:val>
+                                        </p:tav>
+                                      </p:tavLst>
+                                    </p:anim>
+                                  </p:childTnLst>
+                                </p:cTn>
+                              </p:par>
+                            </p:childTnLst>
+                          </p:cTn>
+                        </p:par>
+                      </p:childTnLst>
+                    </p:cTn>
+                  </p:par>
+                  <p:par>
+                    <p:cTn fill="hold">
+                      <p:stCondLst>
+                        <p:cond delay="indefinite"/>
+                      </p:stCondLst>
+                      <p:childTnLst>
+                        <p:par>
+                          <p:cTn fill="hold">
+                            <p:stCondLst>
+                              <p:cond delay="0"/>
+                            </p:stCondLst>
+                            <p:childTnLst>
+                              <p:par>
+                                <p:cTn fill="hold" nodeType="clickEffect" presetClass="entr" presetID="10" presetSubtype="0">
+                                  <p:stCondLst>
+                                    <p:cond delay="0"/>
+                                  </p:stCondLst>
+                                  <p:childTnLst>
+                                    <p:set>
+                                      <p:cBhvr>
+                                        <p:cTn dur="1" fill="hold">
+                                          <p:stCondLst>
+                                            <p:cond delay="0"/>
+                                          </p:stCondLst>
+                                        </p:cTn>
+                                        <p:tgtEl>
+                                          <p:spTgt spid="188"/>
+                                        </p:tgtEl>
+                                        <p:attrNameLst>
+                                          <p:attrName>style.visibility</p:attrName>
+                                        </p:attrNameLst>
+                                      </p:cBhvr>
+                                      <p:to>
+                                        <p:strVal val="visible"/>
+                                      </p:to>
+                                    </p:set>
+                                    <p:animEffect filter="fade" transition="in">
+                                      <p:cBhvr>
+                                        <p:cTn dur="1000"/>
+                                        <p:tgtEl>
+                                          <p:spTgt spid="188"/>
+                                        </p:tgtEl>
+                                      </p:cBhvr>
+                                    </p:animEffect>
+                                  </p:childTnLst>
+                                </p:cTn>
+                              </p:par>
+                            </p:childTnLst>
+                          </p:cTn>
+                        </p:par>
+                      </p:childTnLst>
+                    </p:cTn>
+                  </p:par>
+                </p:childTnLst>
+              </p:cTn>
+              <p:prevCondLst>
+                <p:cond evt="onPrev">
+                  <p:tgtEl>
+                    <p:sldTgt/>
+                  </p:tgtEl>
+                </p:cond>
+              </p:prevCondLst>
+              <p:nextCondLst>
+                <p:cond evt="onNext">
+                  <p:tgtEl>
+                    <p:sldTgt/>
+                  </p:tgtEl>
+                </p:cond>
+              </p:nextCondLst>
+            </p:seq>
+          </p:childTnLst>
+        </p:cTn>
+      </p:par>
+    </p:tnLst>
+  </p:timing>
 </p:sld>
 </file>
 
